--- a/article/graphical_abstruct.pptx
+++ b/article/graphical_abstruct.pptx
@@ -2,12 +2,12 @@
 <file path=ppt/presentation.xml><?xml version="1.0" encoding="utf-8"?>
 <p:presentation xmlns:a="http://schemas.openxmlformats.org/drawingml/2006/main" xmlns:r="http://schemas.openxmlformats.org/officeDocument/2006/relationships" xmlns:p="http://schemas.openxmlformats.org/presentationml/2006/main" saveSubsetFonts="1">
   <p:sldMasterIdLst>
-    <p:sldMasterId id="2147483696" r:id="rId1"/>
+    <p:sldMasterId id="2147483708" r:id="rId1"/>
   </p:sldMasterIdLst>
   <p:sldIdLst>
     <p:sldId id="256" r:id="rId2"/>
   </p:sldIdLst>
-  <p:sldSz cx="12160250" cy="6840538"/>
+  <p:sldSz cx="6858000" cy="9906000" type="A4"/>
   <p:notesSz cx="6858000" cy="9144000"/>
   <p:defaultTextStyle>
     <a:defPPr>
@@ -104,6 +104,11 @@
       </a:defRPr>
     </a:lvl9pPr>
   </p:defaultTextStyle>
+  <p:extLst>
+    <p:ext uri="{EFAFB233-063F-42B5-8137-9DF3F51BA10A}">
+      <p15:sldGuideLst xmlns:p15="http://schemas.microsoft.com/office/powerpoint/2012/main"/>
+    </p:ext>
+  </p:extLst>
 </p:presentation>
 </file>
 
@@ -136,15 +141,15 @@
         </p:nvSpPr>
         <p:spPr>
           <a:xfrm>
-            <a:off x="1520031" y="1119507"/>
-            <a:ext cx="9120188" cy="2381521"/>
+            <a:off x="514350" y="1621191"/>
+            <a:ext cx="5829300" cy="3448756"/>
           </a:xfrm>
         </p:spPr>
         <p:txBody>
           <a:bodyPr anchor="b"/>
           <a:lstStyle>
             <a:lvl1pPr algn="ctr">
-              <a:defRPr sz="5984"/>
+              <a:defRPr sz="4500"/>
             </a:lvl1pPr>
           </a:lstStyle>
           <a:p>
@@ -168,8 +173,8 @@
         </p:nvSpPr>
         <p:spPr>
           <a:xfrm>
-            <a:off x="1520031" y="3592867"/>
-            <a:ext cx="9120188" cy="1651546"/>
+            <a:off x="857250" y="5202944"/>
+            <a:ext cx="5143500" cy="2391656"/>
           </a:xfrm>
         </p:spPr>
         <p:txBody>
@@ -177,39 +182,39 @@
           <a:lstStyle>
             <a:lvl1pPr marL="0" indent="0" algn="ctr">
               <a:buNone/>
-              <a:defRPr sz="2394"/>
+              <a:defRPr sz="1800"/>
             </a:lvl1pPr>
-            <a:lvl2pPr marL="456007" indent="0" algn="ctr">
-              <a:buNone/>
-              <a:defRPr sz="1995"/>
+            <a:lvl2pPr marL="342900" indent="0" algn="ctr">
+              <a:buNone/>
+              <a:defRPr sz="1500"/>
             </a:lvl2pPr>
-            <a:lvl3pPr marL="912014" indent="0" algn="ctr">
-              <a:buNone/>
-              <a:defRPr sz="1795"/>
+            <a:lvl3pPr marL="685800" indent="0" algn="ctr">
+              <a:buNone/>
+              <a:defRPr sz="1350"/>
             </a:lvl3pPr>
-            <a:lvl4pPr marL="1368021" indent="0" algn="ctr">
-              <a:buNone/>
-              <a:defRPr sz="1596"/>
+            <a:lvl4pPr marL="1028700" indent="0" algn="ctr">
+              <a:buNone/>
+              <a:defRPr sz="1200"/>
             </a:lvl4pPr>
-            <a:lvl5pPr marL="1824028" indent="0" algn="ctr">
-              <a:buNone/>
-              <a:defRPr sz="1596"/>
+            <a:lvl5pPr marL="1371600" indent="0" algn="ctr">
+              <a:buNone/>
+              <a:defRPr sz="1200"/>
             </a:lvl5pPr>
-            <a:lvl6pPr marL="2280034" indent="0" algn="ctr">
-              <a:buNone/>
-              <a:defRPr sz="1596"/>
+            <a:lvl6pPr marL="1714500" indent="0" algn="ctr">
+              <a:buNone/>
+              <a:defRPr sz="1200"/>
             </a:lvl6pPr>
-            <a:lvl7pPr marL="2736042" indent="0" algn="ctr">
-              <a:buNone/>
-              <a:defRPr sz="1596"/>
+            <a:lvl7pPr marL="2057400" indent="0" algn="ctr">
+              <a:buNone/>
+              <a:defRPr sz="1200"/>
             </a:lvl7pPr>
-            <a:lvl8pPr marL="3192049" indent="0" algn="ctr">
-              <a:buNone/>
-              <a:defRPr sz="1596"/>
+            <a:lvl8pPr marL="2400300" indent="0" algn="ctr">
+              <a:buNone/>
+              <a:defRPr sz="1200"/>
             </a:lvl8pPr>
-            <a:lvl9pPr marL="3648055" indent="0" algn="ctr">
-              <a:buNone/>
-              <a:defRPr sz="1596"/>
+            <a:lvl9pPr marL="2743200" indent="0" algn="ctr">
+              <a:buNone/>
+              <a:defRPr sz="1200"/>
             </a:lvl9pPr>
           </a:lstStyle>
           <a:p>
@@ -289,7 +294,7 @@
     </p:spTree>
     <p:extLst>
       <p:ext uri="{BB962C8B-B14F-4D97-AF65-F5344CB8AC3E}">
-        <p14:creationId xmlns:p14="http://schemas.microsoft.com/office/powerpoint/2010/main" val="1545654768"/>
+        <p14:creationId xmlns:p14="http://schemas.microsoft.com/office/powerpoint/2010/main" val="795987651"/>
       </p:ext>
     </p:extLst>
   </p:cSld>
@@ -459,7 +464,7 @@
     </p:spTree>
     <p:extLst>
       <p:ext uri="{BB962C8B-B14F-4D97-AF65-F5344CB8AC3E}">
-        <p14:creationId xmlns:p14="http://schemas.microsoft.com/office/powerpoint/2010/main" val="1678531011"/>
+        <p14:creationId xmlns:p14="http://schemas.microsoft.com/office/powerpoint/2010/main" val="800973540"/>
       </p:ext>
     </p:extLst>
   </p:cSld>
@@ -498,8 +503,8 @@
         </p:nvSpPr>
         <p:spPr>
           <a:xfrm>
-            <a:off x="8702179" y="364196"/>
-            <a:ext cx="2622054" cy="5797040"/>
+            <a:off x="4907757" y="527403"/>
+            <a:ext cx="1478756" cy="8394877"/>
           </a:xfrm>
         </p:spPr>
         <p:txBody>
@@ -526,8 +531,8 @@
         </p:nvSpPr>
         <p:spPr>
           <a:xfrm>
-            <a:off x="836021" y="364196"/>
-            <a:ext cx="7714159" cy="5797040"/>
+            <a:off x="471488" y="527403"/>
+            <a:ext cx="4350544" cy="8394877"/>
           </a:xfrm>
         </p:spPr>
         <p:txBody>
@@ -639,7 +644,7 @@
     </p:spTree>
     <p:extLst>
       <p:ext uri="{BB962C8B-B14F-4D97-AF65-F5344CB8AC3E}">
-        <p14:creationId xmlns:p14="http://schemas.microsoft.com/office/powerpoint/2010/main" val="2189395864"/>
+        <p14:creationId xmlns:p14="http://schemas.microsoft.com/office/powerpoint/2010/main" val="4030809104"/>
       </p:ext>
     </p:extLst>
   </p:cSld>
@@ -809,7 +814,7 @@
     </p:spTree>
     <p:extLst>
       <p:ext uri="{BB962C8B-B14F-4D97-AF65-F5344CB8AC3E}">
-        <p14:creationId xmlns:p14="http://schemas.microsoft.com/office/powerpoint/2010/main" val="380221782"/>
+        <p14:creationId xmlns:p14="http://schemas.microsoft.com/office/powerpoint/2010/main" val="3601253329"/>
       </p:ext>
     </p:extLst>
   </p:cSld>
@@ -848,15 +853,15 @@
         </p:nvSpPr>
         <p:spPr>
           <a:xfrm>
-            <a:off x="829684" y="1705387"/>
-            <a:ext cx="10488216" cy="2845473"/>
+            <a:off x="467916" y="2469624"/>
+            <a:ext cx="5915025" cy="4120620"/>
           </a:xfrm>
         </p:spPr>
         <p:txBody>
           <a:bodyPr anchor="b"/>
           <a:lstStyle>
             <a:lvl1pPr>
-              <a:defRPr sz="5984"/>
+              <a:defRPr sz="4500"/>
             </a:lvl1pPr>
           </a:lstStyle>
           <a:p>
@@ -880,8 +885,8 @@
         </p:nvSpPr>
         <p:spPr>
           <a:xfrm>
-            <a:off x="829684" y="4577780"/>
-            <a:ext cx="10488216" cy="1496367"/>
+            <a:off x="467916" y="6629226"/>
+            <a:ext cx="5915025" cy="2166937"/>
           </a:xfrm>
         </p:spPr>
         <p:txBody>
@@ -889,17 +894,15 @@
           <a:lstStyle>
             <a:lvl1pPr marL="0" indent="0">
               <a:buNone/>
-              <a:defRPr sz="2394">
+              <a:defRPr sz="1800">
                 <a:solidFill>
-                  <a:schemeClr val="tx1">
-                    <a:tint val="75000"/>
-                  </a:schemeClr>
+                  <a:schemeClr val="tx1"/>
                 </a:solidFill>
               </a:defRPr>
             </a:lvl1pPr>
-            <a:lvl2pPr marL="456007" indent="0">
-              <a:buNone/>
-              <a:defRPr sz="1995">
+            <a:lvl2pPr marL="342900" indent="0">
+              <a:buNone/>
+              <a:defRPr sz="1500">
                 <a:solidFill>
                   <a:schemeClr val="tx1">
                     <a:tint val="75000"/>
@@ -907,9 +910,9 @@
                 </a:solidFill>
               </a:defRPr>
             </a:lvl2pPr>
-            <a:lvl3pPr marL="912014" indent="0">
-              <a:buNone/>
-              <a:defRPr sz="1795">
+            <a:lvl3pPr marL="685800" indent="0">
+              <a:buNone/>
+              <a:defRPr sz="1350">
                 <a:solidFill>
                   <a:schemeClr val="tx1">
                     <a:tint val="75000"/>
@@ -917,9 +920,9 @@
                 </a:solidFill>
               </a:defRPr>
             </a:lvl3pPr>
-            <a:lvl4pPr marL="1368021" indent="0">
-              <a:buNone/>
-              <a:defRPr sz="1596">
+            <a:lvl4pPr marL="1028700" indent="0">
+              <a:buNone/>
+              <a:defRPr sz="1200">
                 <a:solidFill>
                   <a:schemeClr val="tx1">
                     <a:tint val="75000"/>
@@ -927,9 +930,9 @@
                 </a:solidFill>
               </a:defRPr>
             </a:lvl4pPr>
-            <a:lvl5pPr marL="1824028" indent="0">
-              <a:buNone/>
-              <a:defRPr sz="1596">
+            <a:lvl5pPr marL="1371600" indent="0">
+              <a:buNone/>
+              <a:defRPr sz="1200">
                 <a:solidFill>
                   <a:schemeClr val="tx1">
                     <a:tint val="75000"/>
@@ -937,9 +940,9 @@
                 </a:solidFill>
               </a:defRPr>
             </a:lvl5pPr>
-            <a:lvl6pPr marL="2280034" indent="0">
-              <a:buNone/>
-              <a:defRPr sz="1596">
+            <a:lvl6pPr marL="1714500" indent="0">
+              <a:buNone/>
+              <a:defRPr sz="1200">
                 <a:solidFill>
                   <a:schemeClr val="tx1">
                     <a:tint val="75000"/>
@@ -947,9 +950,9 @@
                 </a:solidFill>
               </a:defRPr>
             </a:lvl6pPr>
-            <a:lvl7pPr marL="2736042" indent="0">
-              <a:buNone/>
-              <a:defRPr sz="1596">
+            <a:lvl7pPr marL="2057400" indent="0">
+              <a:buNone/>
+              <a:defRPr sz="1200">
                 <a:solidFill>
                   <a:schemeClr val="tx1">
                     <a:tint val="75000"/>
@@ -957,9 +960,9 @@
                 </a:solidFill>
               </a:defRPr>
             </a:lvl7pPr>
-            <a:lvl8pPr marL="3192049" indent="0">
-              <a:buNone/>
-              <a:defRPr sz="1596">
+            <a:lvl8pPr marL="2400300" indent="0">
+              <a:buNone/>
+              <a:defRPr sz="1200">
                 <a:solidFill>
                   <a:schemeClr val="tx1">
                     <a:tint val="75000"/>
@@ -967,9 +970,9 @@
                 </a:solidFill>
               </a:defRPr>
             </a:lvl8pPr>
-            <a:lvl9pPr marL="3648055" indent="0">
-              <a:buNone/>
-              <a:defRPr sz="1596">
+            <a:lvl9pPr marL="2743200" indent="0">
+              <a:buNone/>
+              <a:defRPr sz="1200">
                 <a:solidFill>
                   <a:schemeClr val="tx1">
                     <a:tint val="75000"/>
@@ -1055,7 +1058,7 @@
     </p:spTree>
     <p:extLst>
       <p:ext uri="{BB962C8B-B14F-4D97-AF65-F5344CB8AC3E}">
-        <p14:creationId xmlns:p14="http://schemas.microsoft.com/office/powerpoint/2010/main" val="675988019"/>
+        <p14:creationId xmlns:p14="http://schemas.microsoft.com/office/powerpoint/2010/main" val="2208303803"/>
       </p:ext>
     </p:extLst>
   </p:cSld>
@@ -1117,8 +1120,8 @@
         </p:nvSpPr>
         <p:spPr>
           <a:xfrm>
-            <a:off x="836017" y="1820977"/>
-            <a:ext cx="5168106" cy="4340259"/>
+            <a:off x="471488" y="2637014"/>
+            <a:ext cx="2914650" cy="6285266"/>
           </a:xfrm>
         </p:spPr>
         <p:txBody>
@@ -1174,8 +1177,8 @@
         </p:nvSpPr>
         <p:spPr>
           <a:xfrm>
-            <a:off x="6156127" y="1820977"/>
-            <a:ext cx="5168106" cy="4340259"/>
+            <a:off x="3471863" y="2637014"/>
+            <a:ext cx="2914650" cy="6285266"/>
           </a:xfrm>
         </p:spPr>
         <p:txBody>
@@ -1287,7 +1290,7 @@
     </p:spTree>
     <p:extLst>
       <p:ext uri="{BB962C8B-B14F-4D97-AF65-F5344CB8AC3E}">
-        <p14:creationId xmlns:p14="http://schemas.microsoft.com/office/powerpoint/2010/main" val="3803509522"/>
+        <p14:creationId xmlns:p14="http://schemas.microsoft.com/office/powerpoint/2010/main" val="2149495310"/>
       </p:ext>
     </p:extLst>
   </p:cSld>
@@ -1326,8 +1329,8 @@
         </p:nvSpPr>
         <p:spPr>
           <a:xfrm>
-            <a:off x="837601" y="364197"/>
-            <a:ext cx="10488216" cy="1322188"/>
+            <a:off x="472381" y="527405"/>
+            <a:ext cx="5915025" cy="1914702"/>
           </a:xfrm>
         </p:spPr>
         <p:txBody>
@@ -1354,8 +1357,8 @@
         </p:nvSpPr>
         <p:spPr>
           <a:xfrm>
-            <a:off x="837602" y="1676883"/>
-            <a:ext cx="5144355" cy="821814"/>
+            <a:off x="472381" y="2428347"/>
+            <a:ext cx="2901255" cy="1190095"/>
           </a:xfrm>
         </p:spPr>
         <p:txBody>
@@ -1363,39 +1366,39 @@
           <a:lstStyle>
             <a:lvl1pPr marL="0" indent="0">
               <a:buNone/>
-              <a:defRPr sz="2394" b="1"/>
+              <a:defRPr sz="1800" b="1"/>
             </a:lvl1pPr>
-            <a:lvl2pPr marL="456007" indent="0">
-              <a:buNone/>
-              <a:defRPr sz="1995" b="1"/>
+            <a:lvl2pPr marL="342900" indent="0">
+              <a:buNone/>
+              <a:defRPr sz="1500" b="1"/>
             </a:lvl2pPr>
-            <a:lvl3pPr marL="912014" indent="0">
-              <a:buNone/>
-              <a:defRPr sz="1795" b="1"/>
+            <a:lvl3pPr marL="685800" indent="0">
+              <a:buNone/>
+              <a:defRPr sz="1350" b="1"/>
             </a:lvl3pPr>
-            <a:lvl4pPr marL="1368021" indent="0">
-              <a:buNone/>
-              <a:defRPr sz="1596" b="1"/>
+            <a:lvl4pPr marL="1028700" indent="0">
+              <a:buNone/>
+              <a:defRPr sz="1200" b="1"/>
             </a:lvl4pPr>
-            <a:lvl5pPr marL="1824028" indent="0">
-              <a:buNone/>
-              <a:defRPr sz="1596" b="1"/>
+            <a:lvl5pPr marL="1371600" indent="0">
+              <a:buNone/>
+              <a:defRPr sz="1200" b="1"/>
             </a:lvl5pPr>
-            <a:lvl6pPr marL="2280034" indent="0">
-              <a:buNone/>
-              <a:defRPr sz="1596" b="1"/>
+            <a:lvl6pPr marL="1714500" indent="0">
+              <a:buNone/>
+              <a:defRPr sz="1200" b="1"/>
             </a:lvl6pPr>
-            <a:lvl7pPr marL="2736042" indent="0">
-              <a:buNone/>
-              <a:defRPr sz="1596" b="1"/>
+            <a:lvl7pPr marL="2057400" indent="0">
+              <a:buNone/>
+              <a:defRPr sz="1200" b="1"/>
             </a:lvl7pPr>
-            <a:lvl8pPr marL="3192049" indent="0">
-              <a:buNone/>
-              <a:defRPr sz="1596" b="1"/>
+            <a:lvl8pPr marL="2400300" indent="0">
+              <a:buNone/>
+              <a:defRPr sz="1200" b="1"/>
             </a:lvl8pPr>
-            <a:lvl9pPr marL="3648055" indent="0">
-              <a:buNone/>
-              <a:defRPr sz="1596" b="1"/>
+            <a:lvl9pPr marL="2743200" indent="0">
+              <a:buNone/>
+              <a:defRPr sz="1200" b="1"/>
             </a:lvl9pPr>
           </a:lstStyle>
           <a:p>
@@ -1419,8 +1422,8 @@
         </p:nvSpPr>
         <p:spPr>
           <a:xfrm>
-            <a:off x="837602" y="2498698"/>
-            <a:ext cx="5144355" cy="3675206"/>
+            <a:off x="472381" y="3618442"/>
+            <a:ext cx="2901255" cy="5322183"/>
           </a:xfrm>
         </p:spPr>
         <p:txBody>
@@ -1476,8 +1479,8 @@
         </p:nvSpPr>
         <p:spPr>
           <a:xfrm>
-            <a:off x="6156127" y="1676883"/>
-            <a:ext cx="5169690" cy="821814"/>
+            <a:off x="3471863" y="2428347"/>
+            <a:ext cx="2915543" cy="1190095"/>
           </a:xfrm>
         </p:spPr>
         <p:txBody>
@@ -1485,39 +1488,39 @@
           <a:lstStyle>
             <a:lvl1pPr marL="0" indent="0">
               <a:buNone/>
-              <a:defRPr sz="2394" b="1"/>
+              <a:defRPr sz="1800" b="1"/>
             </a:lvl1pPr>
-            <a:lvl2pPr marL="456007" indent="0">
-              <a:buNone/>
-              <a:defRPr sz="1995" b="1"/>
+            <a:lvl2pPr marL="342900" indent="0">
+              <a:buNone/>
+              <a:defRPr sz="1500" b="1"/>
             </a:lvl2pPr>
-            <a:lvl3pPr marL="912014" indent="0">
-              <a:buNone/>
-              <a:defRPr sz="1795" b="1"/>
+            <a:lvl3pPr marL="685800" indent="0">
+              <a:buNone/>
+              <a:defRPr sz="1350" b="1"/>
             </a:lvl3pPr>
-            <a:lvl4pPr marL="1368021" indent="0">
-              <a:buNone/>
-              <a:defRPr sz="1596" b="1"/>
+            <a:lvl4pPr marL="1028700" indent="0">
+              <a:buNone/>
+              <a:defRPr sz="1200" b="1"/>
             </a:lvl4pPr>
-            <a:lvl5pPr marL="1824028" indent="0">
-              <a:buNone/>
-              <a:defRPr sz="1596" b="1"/>
+            <a:lvl5pPr marL="1371600" indent="0">
+              <a:buNone/>
+              <a:defRPr sz="1200" b="1"/>
             </a:lvl5pPr>
-            <a:lvl6pPr marL="2280034" indent="0">
-              <a:buNone/>
-              <a:defRPr sz="1596" b="1"/>
+            <a:lvl6pPr marL="1714500" indent="0">
+              <a:buNone/>
+              <a:defRPr sz="1200" b="1"/>
             </a:lvl6pPr>
-            <a:lvl7pPr marL="2736042" indent="0">
-              <a:buNone/>
-              <a:defRPr sz="1596" b="1"/>
+            <a:lvl7pPr marL="2057400" indent="0">
+              <a:buNone/>
+              <a:defRPr sz="1200" b="1"/>
             </a:lvl7pPr>
-            <a:lvl8pPr marL="3192049" indent="0">
-              <a:buNone/>
-              <a:defRPr sz="1596" b="1"/>
+            <a:lvl8pPr marL="2400300" indent="0">
+              <a:buNone/>
+              <a:defRPr sz="1200" b="1"/>
             </a:lvl8pPr>
-            <a:lvl9pPr marL="3648055" indent="0">
-              <a:buNone/>
-              <a:defRPr sz="1596" b="1"/>
+            <a:lvl9pPr marL="2743200" indent="0">
+              <a:buNone/>
+              <a:defRPr sz="1200" b="1"/>
             </a:lvl9pPr>
           </a:lstStyle>
           <a:p>
@@ -1541,8 +1544,8 @@
         </p:nvSpPr>
         <p:spPr>
           <a:xfrm>
-            <a:off x="6156127" y="2498698"/>
-            <a:ext cx="5169690" cy="3675206"/>
+            <a:off x="3471863" y="3618442"/>
+            <a:ext cx="2915543" cy="5322183"/>
           </a:xfrm>
         </p:spPr>
         <p:txBody>
@@ -1654,7 +1657,7 @@
     </p:spTree>
     <p:extLst>
       <p:ext uri="{BB962C8B-B14F-4D97-AF65-F5344CB8AC3E}">
-        <p14:creationId xmlns:p14="http://schemas.microsoft.com/office/powerpoint/2010/main" val="3782807002"/>
+        <p14:creationId xmlns:p14="http://schemas.microsoft.com/office/powerpoint/2010/main" val="909457028"/>
       </p:ext>
     </p:extLst>
   </p:cSld>
@@ -1772,7 +1775,7 @@
     </p:spTree>
     <p:extLst>
       <p:ext uri="{BB962C8B-B14F-4D97-AF65-F5344CB8AC3E}">
-        <p14:creationId xmlns:p14="http://schemas.microsoft.com/office/powerpoint/2010/main" val="2390955117"/>
+        <p14:creationId xmlns:p14="http://schemas.microsoft.com/office/powerpoint/2010/main" val="3901128620"/>
       </p:ext>
     </p:extLst>
   </p:cSld>
@@ -1867,7 +1870,7 @@
     </p:spTree>
     <p:extLst>
       <p:ext uri="{BB962C8B-B14F-4D97-AF65-F5344CB8AC3E}">
-        <p14:creationId xmlns:p14="http://schemas.microsoft.com/office/powerpoint/2010/main" val="3474381594"/>
+        <p14:creationId xmlns:p14="http://schemas.microsoft.com/office/powerpoint/2010/main" val="902848641"/>
       </p:ext>
     </p:extLst>
   </p:cSld>
@@ -1906,15 +1909,15 @@
         </p:nvSpPr>
         <p:spPr>
           <a:xfrm>
-            <a:off x="837605" y="456037"/>
-            <a:ext cx="3921997" cy="1596126"/>
+            <a:off x="472381" y="660400"/>
+            <a:ext cx="2211884" cy="2311400"/>
           </a:xfrm>
         </p:spPr>
         <p:txBody>
           <a:bodyPr anchor="b"/>
           <a:lstStyle>
             <a:lvl1pPr>
-              <a:defRPr sz="3192"/>
+              <a:defRPr sz="2400"/>
             </a:lvl1pPr>
           </a:lstStyle>
           <a:p>
@@ -1938,39 +1941,39 @@
         </p:nvSpPr>
         <p:spPr>
           <a:xfrm>
-            <a:off x="5169694" y="984913"/>
-            <a:ext cx="6156127" cy="4861216"/>
+            <a:off x="2915543" y="1426283"/>
+            <a:ext cx="3471863" cy="7039681"/>
           </a:xfrm>
         </p:spPr>
         <p:txBody>
           <a:bodyPr/>
           <a:lstStyle>
             <a:lvl1pPr>
-              <a:defRPr sz="3192"/>
+              <a:defRPr sz="2400"/>
             </a:lvl1pPr>
             <a:lvl2pPr>
-              <a:defRPr sz="2793"/>
+              <a:defRPr sz="2100"/>
             </a:lvl2pPr>
             <a:lvl3pPr>
-              <a:defRPr sz="2394"/>
+              <a:defRPr sz="1800"/>
             </a:lvl3pPr>
             <a:lvl4pPr>
-              <a:defRPr sz="1995"/>
+              <a:defRPr sz="1500"/>
             </a:lvl4pPr>
             <a:lvl5pPr>
-              <a:defRPr sz="1995"/>
+              <a:defRPr sz="1500"/>
             </a:lvl5pPr>
             <a:lvl6pPr>
-              <a:defRPr sz="1995"/>
+              <a:defRPr sz="1500"/>
             </a:lvl6pPr>
             <a:lvl7pPr>
-              <a:defRPr sz="1995"/>
+              <a:defRPr sz="1500"/>
             </a:lvl7pPr>
             <a:lvl8pPr>
-              <a:defRPr sz="1995"/>
+              <a:defRPr sz="1500"/>
             </a:lvl8pPr>
             <a:lvl9pPr>
-              <a:defRPr sz="1995"/>
+              <a:defRPr sz="1500"/>
             </a:lvl9pPr>
           </a:lstStyle>
           <a:p>
@@ -2023,8 +2026,8 @@
         </p:nvSpPr>
         <p:spPr>
           <a:xfrm>
-            <a:off x="837605" y="2052163"/>
-            <a:ext cx="3921997" cy="3801883"/>
+            <a:off x="472381" y="2971800"/>
+            <a:ext cx="2211884" cy="5505627"/>
           </a:xfrm>
         </p:spPr>
         <p:txBody>
@@ -2032,39 +2035,39 @@
           <a:lstStyle>
             <a:lvl1pPr marL="0" indent="0">
               <a:buNone/>
-              <a:defRPr sz="1596"/>
+              <a:defRPr sz="1200"/>
             </a:lvl1pPr>
-            <a:lvl2pPr marL="456007" indent="0">
-              <a:buNone/>
-              <a:defRPr sz="1396"/>
+            <a:lvl2pPr marL="342900" indent="0">
+              <a:buNone/>
+              <a:defRPr sz="1050"/>
             </a:lvl2pPr>
-            <a:lvl3pPr marL="912014" indent="0">
-              <a:buNone/>
-              <a:defRPr sz="1197"/>
+            <a:lvl3pPr marL="685800" indent="0">
+              <a:buNone/>
+              <a:defRPr sz="900"/>
             </a:lvl3pPr>
-            <a:lvl4pPr marL="1368021" indent="0">
-              <a:buNone/>
-              <a:defRPr sz="997"/>
+            <a:lvl4pPr marL="1028700" indent="0">
+              <a:buNone/>
+              <a:defRPr sz="750"/>
             </a:lvl4pPr>
-            <a:lvl5pPr marL="1824028" indent="0">
-              <a:buNone/>
-              <a:defRPr sz="997"/>
+            <a:lvl5pPr marL="1371600" indent="0">
+              <a:buNone/>
+              <a:defRPr sz="750"/>
             </a:lvl5pPr>
-            <a:lvl6pPr marL="2280034" indent="0">
-              <a:buNone/>
-              <a:defRPr sz="997"/>
+            <a:lvl6pPr marL="1714500" indent="0">
+              <a:buNone/>
+              <a:defRPr sz="750"/>
             </a:lvl6pPr>
-            <a:lvl7pPr marL="2736042" indent="0">
-              <a:buNone/>
-              <a:defRPr sz="997"/>
+            <a:lvl7pPr marL="2057400" indent="0">
+              <a:buNone/>
+              <a:defRPr sz="750"/>
             </a:lvl7pPr>
-            <a:lvl8pPr marL="3192049" indent="0">
-              <a:buNone/>
-              <a:defRPr sz="997"/>
+            <a:lvl8pPr marL="2400300" indent="0">
+              <a:buNone/>
+              <a:defRPr sz="750"/>
             </a:lvl8pPr>
-            <a:lvl9pPr marL="3648055" indent="0">
-              <a:buNone/>
-              <a:defRPr sz="997"/>
+            <a:lvl9pPr marL="2743200" indent="0">
+              <a:buNone/>
+              <a:defRPr sz="750"/>
             </a:lvl9pPr>
           </a:lstStyle>
           <a:p>
@@ -2144,7 +2147,7 @@
     </p:spTree>
     <p:extLst>
       <p:ext uri="{BB962C8B-B14F-4D97-AF65-F5344CB8AC3E}">
-        <p14:creationId xmlns:p14="http://schemas.microsoft.com/office/powerpoint/2010/main" val="3996922920"/>
+        <p14:creationId xmlns:p14="http://schemas.microsoft.com/office/powerpoint/2010/main" val="3244311599"/>
       </p:ext>
     </p:extLst>
   </p:cSld>
@@ -2183,15 +2186,15 @@
         </p:nvSpPr>
         <p:spPr>
           <a:xfrm>
-            <a:off x="837605" y="456037"/>
-            <a:ext cx="3921997" cy="1596126"/>
+            <a:off x="472381" y="660400"/>
+            <a:ext cx="2211884" cy="2311400"/>
           </a:xfrm>
         </p:spPr>
         <p:txBody>
           <a:bodyPr anchor="b"/>
           <a:lstStyle>
             <a:lvl1pPr>
-              <a:defRPr sz="3192"/>
+              <a:defRPr sz="2400"/>
             </a:lvl1pPr>
           </a:lstStyle>
           <a:p>
@@ -2215,8 +2218,8 @@
         </p:nvSpPr>
         <p:spPr>
           <a:xfrm>
-            <a:off x="5169694" y="984913"/>
-            <a:ext cx="6156127" cy="4861216"/>
+            <a:off x="2915543" y="1426283"/>
+            <a:ext cx="3471863" cy="7039681"/>
           </a:xfrm>
         </p:spPr>
         <p:txBody>
@@ -2224,39 +2227,39 @@
           <a:lstStyle>
             <a:lvl1pPr marL="0" indent="0">
               <a:buNone/>
-              <a:defRPr sz="3192"/>
+              <a:defRPr sz="2400"/>
             </a:lvl1pPr>
-            <a:lvl2pPr marL="456007" indent="0">
-              <a:buNone/>
-              <a:defRPr sz="2793"/>
+            <a:lvl2pPr marL="342900" indent="0">
+              <a:buNone/>
+              <a:defRPr sz="2100"/>
             </a:lvl2pPr>
-            <a:lvl3pPr marL="912014" indent="0">
-              <a:buNone/>
-              <a:defRPr sz="2394"/>
+            <a:lvl3pPr marL="685800" indent="0">
+              <a:buNone/>
+              <a:defRPr sz="1800"/>
             </a:lvl3pPr>
-            <a:lvl4pPr marL="1368021" indent="0">
-              <a:buNone/>
-              <a:defRPr sz="1995"/>
+            <a:lvl4pPr marL="1028700" indent="0">
+              <a:buNone/>
+              <a:defRPr sz="1500"/>
             </a:lvl4pPr>
-            <a:lvl5pPr marL="1824028" indent="0">
-              <a:buNone/>
-              <a:defRPr sz="1995"/>
+            <a:lvl5pPr marL="1371600" indent="0">
+              <a:buNone/>
+              <a:defRPr sz="1500"/>
             </a:lvl5pPr>
-            <a:lvl6pPr marL="2280034" indent="0">
-              <a:buNone/>
-              <a:defRPr sz="1995"/>
+            <a:lvl6pPr marL="1714500" indent="0">
+              <a:buNone/>
+              <a:defRPr sz="1500"/>
             </a:lvl6pPr>
-            <a:lvl7pPr marL="2736042" indent="0">
-              <a:buNone/>
-              <a:defRPr sz="1995"/>
+            <a:lvl7pPr marL="2057400" indent="0">
+              <a:buNone/>
+              <a:defRPr sz="1500"/>
             </a:lvl7pPr>
-            <a:lvl8pPr marL="3192049" indent="0">
-              <a:buNone/>
-              <a:defRPr sz="1995"/>
+            <a:lvl8pPr marL="2400300" indent="0">
+              <a:buNone/>
+              <a:defRPr sz="1500"/>
             </a:lvl8pPr>
-            <a:lvl9pPr marL="3648055" indent="0">
-              <a:buNone/>
-              <a:defRPr sz="1995"/>
+            <a:lvl9pPr marL="2743200" indent="0">
+              <a:buNone/>
+              <a:defRPr sz="1500"/>
             </a:lvl9pPr>
           </a:lstStyle>
           <a:p>
@@ -2280,8 +2283,8 @@
         </p:nvSpPr>
         <p:spPr>
           <a:xfrm>
-            <a:off x="837605" y="2052163"/>
-            <a:ext cx="3921997" cy="3801883"/>
+            <a:off x="472381" y="2971800"/>
+            <a:ext cx="2211884" cy="5505627"/>
           </a:xfrm>
         </p:spPr>
         <p:txBody>
@@ -2289,39 +2292,39 @@
           <a:lstStyle>
             <a:lvl1pPr marL="0" indent="0">
               <a:buNone/>
-              <a:defRPr sz="1596"/>
+              <a:defRPr sz="1200"/>
             </a:lvl1pPr>
-            <a:lvl2pPr marL="456007" indent="0">
-              <a:buNone/>
-              <a:defRPr sz="1396"/>
+            <a:lvl2pPr marL="342900" indent="0">
+              <a:buNone/>
+              <a:defRPr sz="1050"/>
             </a:lvl2pPr>
-            <a:lvl3pPr marL="912014" indent="0">
-              <a:buNone/>
-              <a:defRPr sz="1197"/>
+            <a:lvl3pPr marL="685800" indent="0">
+              <a:buNone/>
+              <a:defRPr sz="900"/>
             </a:lvl3pPr>
-            <a:lvl4pPr marL="1368021" indent="0">
-              <a:buNone/>
-              <a:defRPr sz="997"/>
+            <a:lvl4pPr marL="1028700" indent="0">
+              <a:buNone/>
+              <a:defRPr sz="750"/>
             </a:lvl4pPr>
-            <a:lvl5pPr marL="1824028" indent="0">
-              <a:buNone/>
-              <a:defRPr sz="997"/>
+            <a:lvl5pPr marL="1371600" indent="0">
+              <a:buNone/>
+              <a:defRPr sz="750"/>
             </a:lvl5pPr>
-            <a:lvl6pPr marL="2280034" indent="0">
-              <a:buNone/>
-              <a:defRPr sz="997"/>
+            <a:lvl6pPr marL="1714500" indent="0">
+              <a:buNone/>
+              <a:defRPr sz="750"/>
             </a:lvl6pPr>
-            <a:lvl7pPr marL="2736042" indent="0">
-              <a:buNone/>
-              <a:defRPr sz="997"/>
+            <a:lvl7pPr marL="2057400" indent="0">
+              <a:buNone/>
+              <a:defRPr sz="750"/>
             </a:lvl7pPr>
-            <a:lvl8pPr marL="3192049" indent="0">
-              <a:buNone/>
-              <a:defRPr sz="997"/>
+            <a:lvl8pPr marL="2400300" indent="0">
+              <a:buNone/>
+              <a:defRPr sz="750"/>
             </a:lvl8pPr>
-            <a:lvl9pPr marL="3648055" indent="0">
-              <a:buNone/>
-              <a:defRPr sz="997"/>
+            <a:lvl9pPr marL="2743200" indent="0">
+              <a:buNone/>
+              <a:defRPr sz="750"/>
             </a:lvl9pPr>
           </a:lstStyle>
           <a:p>
@@ -2401,7 +2404,7 @@
     </p:spTree>
     <p:extLst>
       <p:ext uri="{BB962C8B-B14F-4D97-AF65-F5344CB8AC3E}">
-        <p14:creationId xmlns:p14="http://schemas.microsoft.com/office/powerpoint/2010/main" val="771635100"/>
+        <p14:creationId xmlns:p14="http://schemas.microsoft.com/office/powerpoint/2010/main" val="4096799901"/>
       </p:ext>
     </p:extLst>
   </p:cSld>
@@ -2445,8 +2448,8 @@
         </p:nvSpPr>
         <p:spPr>
           <a:xfrm>
-            <a:off x="836017" y="364197"/>
-            <a:ext cx="10488216" cy="1322188"/>
+            <a:off x="471488" y="527405"/>
+            <a:ext cx="5915025" cy="1914702"/>
           </a:xfrm>
           <a:prstGeom prst="rect">
             <a:avLst/>
@@ -2478,8 +2481,8 @@
         </p:nvSpPr>
         <p:spPr>
           <a:xfrm>
-            <a:off x="836017" y="1820977"/>
-            <a:ext cx="10488216" cy="4340259"/>
+            <a:off x="471488" y="2637014"/>
+            <a:ext cx="5915025" cy="6285266"/>
           </a:xfrm>
           <a:prstGeom prst="rect">
             <a:avLst/>
@@ -2540,8 +2543,8 @@
         </p:nvSpPr>
         <p:spPr>
           <a:xfrm>
-            <a:off x="836017" y="6340166"/>
-            <a:ext cx="2736056" cy="364195"/>
+            <a:off x="471488" y="9181397"/>
+            <a:ext cx="1543050" cy="527403"/>
           </a:xfrm>
           <a:prstGeom prst="rect">
             <a:avLst/>
@@ -2551,7 +2554,7 @@
           <a:bodyPr vert="horz" lIns="91440" tIns="45720" rIns="91440" bIns="45720" rtlCol="0" anchor="ctr"/>
           <a:lstStyle>
             <a:lvl1pPr algn="l">
-              <a:defRPr sz="1197">
+              <a:defRPr sz="900">
                 <a:solidFill>
                   <a:schemeClr val="tx1">
                     <a:tint val="75000"/>
@@ -2581,8 +2584,8 @@
         </p:nvSpPr>
         <p:spPr>
           <a:xfrm>
-            <a:off x="4028083" y="6340166"/>
-            <a:ext cx="4104084" cy="364195"/>
+            <a:off x="2271713" y="9181397"/>
+            <a:ext cx="2314575" cy="527403"/>
           </a:xfrm>
           <a:prstGeom prst="rect">
             <a:avLst/>
@@ -2592,7 +2595,7 @@
           <a:bodyPr vert="horz" lIns="91440" tIns="45720" rIns="91440" bIns="45720" rtlCol="0" anchor="ctr"/>
           <a:lstStyle>
             <a:lvl1pPr algn="ctr">
-              <a:defRPr sz="1197">
+              <a:defRPr sz="900">
                 <a:solidFill>
                   <a:schemeClr val="tx1">
                     <a:tint val="75000"/>
@@ -2618,8 +2621,8 @@
         </p:nvSpPr>
         <p:spPr>
           <a:xfrm>
-            <a:off x="8588177" y="6340166"/>
-            <a:ext cx="2736056" cy="364195"/>
+            <a:off x="4843463" y="9181397"/>
+            <a:ext cx="1543050" cy="527403"/>
           </a:xfrm>
           <a:prstGeom prst="rect">
             <a:avLst/>
@@ -2629,7 +2632,7 @@
           <a:bodyPr vert="horz" lIns="91440" tIns="45720" rIns="91440" bIns="45720" rtlCol="0" anchor="ctr"/>
           <a:lstStyle>
             <a:lvl1pPr algn="r">
-              <a:defRPr sz="1197">
+              <a:defRPr sz="900">
                 <a:solidFill>
                   <a:schemeClr val="tx1">
                     <a:tint val="75000"/>
@@ -2650,27 +2653,27 @@
     </p:spTree>
     <p:extLst>
       <p:ext uri="{BB962C8B-B14F-4D97-AF65-F5344CB8AC3E}">
-        <p14:creationId xmlns:p14="http://schemas.microsoft.com/office/powerpoint/2010/main" val="1488136618"/>
+        <p14:creationId xmlns:p14="http://schemas.microsoft.com/office/powerpoint/2010/main" val="1822143616"/>
       </p:ext>
     </p:extLst>
   </p:cSld>
   <p:clrMap bg1="lt1" tx1="dk1" bg2="lt2" tx2="dk2" accent1="accent1" accent2="accent2" accent3="accent3" accent4="accent4" accent5="accent5" accent6="accent6" hlink="hlink" folHlink="folHlink"/>
   <p:sldLayoutIdLst>
-    <p:sldLayoutId id="2147483697" r:id="rId1"/>
-    <p:sldLayoutId id="2147483698" r:id="rId2"/>
-    <p:sldLayoutId id="2147483699" r:id="rId3"/>
-    <p:sldLayoutId id="2147483700" r:id="rId4"/>
-    <p:sldLayoutId id="2147483701" r:id="rId5"/>
-    <p:sldLayoutId id="2147483702" r:id="rId6"/>
-    <p:sldLayoutId id="2147483703" r:id="rId7"/>
-    <p:sldLayoutId id="2147483704" r:id="rId8"/>
-    <p:sldLayoutId id="2147483705" r:id="rId9"/>
-    <p:sldLayoutId id="2147483706" r:id="rId10"/>
-    <p:sldLayoutId id="2147483707" r:id="rId11"/>
+    <p:sldLayoutId id="2147483709" r:id="rId1"/>
+    <p:sldLayoutId id="2147483710" r:id="rId2"/>
+    <p:sldLayoutId id="2147483711" r:id="rId3"/>
+    <p:sldLayoutId id="2147483712" r:id="rId4"/>
+    <p:sldLayoutId id="2147483713" r:id="rId5"/>
+    <p:sldLayoutId id="2147483714" r:id="rId6"/>
+    <p:sldLayoutId id="2147483715" r:id="rId7"/>
+    <p:sldLayoutId id="2147483716" r:id="rId8"/>
+    <p:sldLayoutId id="2147483717" r:id="rId9"/>
+    <p:sldLayoutId id="2147483718" r:id="rId10"/>
+    <p:sldLayoutId id="2147483719" r:id="rId11"/>
   </p:sldLayoutIdLst>
   <p:txStyles>
     <p:titleStyle>
-      <a:lvl1pPr algn="l" defTabSz="912014" rtl="0" eaLnBrk="1" latinLnBrk="0" hangingPunct="1">
+      <a:lvl1pPr algn="l" defTabSz="685800" rtl="0" eaLnBrk="1" latinLnBrk="0" hangingPunct="1">
         <a:lnSpc>
           <a:spcPct val="90000"/>
         </a:lnSpc>
@@ -2678,7 +2681,7 @@
           <a:spcPct val="0"/>
         </a:spcBef>
         <a:buNone/>
-        <a:defRPr sz="4389" kern="1200">
+        <a:defRPr sz="3300" kern="1200">
           <a:solidFill>
             <a:schemeClr val="tx1"/>
           </a:solidFill>
@@ -2689,16 +2692,16 @@
       </a:lvl1pPr>
     </p:titleStyle>
     <p:bodyStyle>
-      <a:lvl1pPr marL="228004" indent="-228004" algn="l" defTabSz="912014" rtl="0" eaLnBrk="1" latinLnBrk="0" hangingPunct="1">
+      <a:lvl1pPr marL="171450" indent="-171450" algn="l" defTabSz="685800" rtl="0" eaLnBrk="1" latinLnBrk="0" hangingPunct="1">
         <a:lnSpc>
           <a:spcPct val="90000"/>
         </a:lnSpc>
         <a:spcBef>
-          <a:spcPts val="997"/>
+          <a:spcPts val="750"/>
         </a:spcBef>
         <a:buFont typeface="Arial" panose="020B0604020202020204" pitchFamily="34" charset="0"/>
         <a:buChar char="•"/>
-        <a:defRPr sz="2793" kern="1200">
+        <a:defRPr sz="2100" kern="1200">
           <a:solidFill>
             <a:schemeClr val="tx1"/>
           </a:solidFill>
@@ -2707,16 +2710,16 @@
           <a:cs typeface="+mn-cs"/>
         </a:defRPr>
       </a:lvl1pPr>
-      <a:lvl2pPr marL="684010" indent="-228004" algn="l" defTabSz="912014" rtl="0" eaLnBrk="1" latinLnBrk="0" hangingPunct="1">
+      <a:lvl2pPr marL="514350" indent="-171450" algn="l" defTabSz="685800" rtl="0" eaLnBrk="1" latinLnBrk="0" hangingPunct="1">
         <a:lnSpc>
           <a:spcPct val="90000"/>
         </a:lnSpc>
         <a:spcBef>
-          <a:spcPts val="499"/>
+          <a:spcPts val="375"/>
         </a:spcBef>
         <a:buFont typeface="Arial" panose="020B0604020202020204" pitchFamily="34" charset="0"/>
         <a:buChar char="•"/>
-        <a:defRPr sz="2394" kern="1200">
+        <a:defRPr sz="1800" kern="1200">
           <a:solidFill>
             <a:schemeClr val="tx1"/>
           </a:solidFill>
@@ -2725,16 +2728,16 @@
           <a:cs typeface="+mn-cs"/>
         </a:defRPr>
       </a:lvl2pPr>
-      <a:lvl3pPr marL="1140017" indent="-228004" algn="l" defTabSz="912014" rtl="0" eaLnBrk="1" latinLnBrk="0" hangingPunct="1">
+      <a:lvl3pPr marL="857250" indent="-171450" algn="l" defTabSz="685800" rtl="0" eaLnBrk="1" latinLnBrk="0" hangingPunct="1">
         <a:lnSpc>
           <a:spcPct val="90000"/>
         </a:lnSpc>
         <a:spcBef>
-          <a:spcPts val="499"/>
+          <a:spcPts val="375"/>
         </a:spcBef>
         <a:buFont typeface="Arial" panose="020B0604020202020204" pitchFamily="34" charset="0"/>
         <a:buChar char="•"/>
-        <a:defRPr sz="1995" kern="1200">
+        <a:defRPr sz="1500" kern="1200">
           <a:solidFill>
             <a:schemeClr val="tx1"/>
           </a:solidFill>
@@ -2743,16 +2746,16 @@
           <a:cs typeface="+mn-cs"/>
         </a:defRPr>
       </a:lvl3pPr>
-      <a:lvl4pPr marL="1596023" indent="-228004" algn="l" defTabSz="912014" rtl="0" eaLnBrk="1" latinLnBrk="0" hangingPunct="1">
+      <a:lvl4pPr marL="1200150" indent="-171450" algn="l" defTabSz="685800" rtl="0" eaLnBrk="1" latinLnBrk="0" hangingPunct="1">
         <a:lnSpc>
           <a:spcPct val="90000"/>
         </a:lnSpc>
         <a:spcBef>
-          <a:spcPts val="499"/>
+          <a:spcPts val="375"/>
         </a:spcBef>
         <a:buFont typeface="Arial" panose="020B0604020202020204" pitchFamily="34" charset="0"/>
         <a:buChar char="•"/>
-        <a:defRPr sz="1795" kern="1200">
+        <a:defRPr sz="1350" kern="1200">
           <a:solidFill>
             <a:schemeClr val="tx1"/>
           </a:solidFill>
@@ -2761,16 +2764,16 @@
           <a:cs typeface="+mn-cs"/>
         </a:defRPr>
       </a:lvl4pPr>
-      <a:lvl5pPr marL="2052031" indent="-228004" algn="l" defTabSz="912014" rtl="0" eaLnBrk="1" latinLnBrk="0" hangingPunct="1">
+      <a:lvl5pPr marL="1543050" indent="-171450" algn="l" defTabSz="685800" rtl="0" eaLnBrk="1" latinLnBrk="0" hangingPunct="1">
         <a:lnSpc>
           <a:spcPct val="90000"/>
         </a:lnSpc>
         <a:spcBef>
-          <a:spcPts val="499"/>
+          <a:spcPts val="375"/>
         </a:spcBef>
         <a:buFont typeface="Arial" panose="020B0604020202020204" pitchFamily="34" charset="0"/>
         <a:buChar char="•"/>
-        <a:defRPr sz="1795" kern="1200">
+        <a:defRPr sz="1350" kern="1200">
           <a:solidFill>
             <a:schemeClr val="tx1"/>
           </a:solidFill>
@@ -2779,16 +2782,16 @@
           <a:cs typeface="+mn-cs"/>
         </a:defRPr>
       </a:lvl5pPr>
-      <a:lvl6pPr marL="2508038" indent="-228004" algn="l" defTabSz="912014" rtl="0" eaLnBrk="1" latinLnBrk="0" hangingPunct="1">
+      <a:lvl6pPr marL="1885950" indent="-171450" algn="l" defTabSz="685800" rtl="0" eaLnBrk="1" latinLnBrk="0" hangingPunct="1">
         <a:lnSpc>
           <a:spcPct val="90000"/>
         </a:lnSpc>
         <a:spcBef>
-          <a:spcPts val="499"/>
+          <a:spcPts val="375"/>
         </a:spcBef>
         <a:buFont typeface="Arial" panose="020B0604020202020204" pitchFamily="34" charset="0"/>
         <a:buChar char="•"/>
-        <a:defRPr sz="1795" kern="1200">
+        <a:defRPr sz="1350" kern="1200">
           <a:solidFill>
             <a:schemeClr val="tx1"/>
           </a:solidFill>
@@ -2797,16 +2800,16 @@
           <a:cs typeface="+mn-cs"/>
         </a:defRPr>
       </a:lvl6pPr>
-      <a:lvl7pPr marL="2964044" indent="-228004" algn="l" defTabSz="912014" rtl="0" eaLnBrk="1" latinLnBrk="0" hangingPunct="1">
+      <a:lvl7pPr marL="2228850" indent="-171450" algn="l" defTabSz="685800" rtl="0" eaLnBrk="1" latinLnBrk="0" hangingPunct="1">
         <a:lnSpc>
           <a:spcPct val="90000"/>
         </a:lnSpc>
         <a:spcBef>
-          <a:spcPts val="499"/>
+          <a:spcPts val="375"/>
         </a:spcBef>
         <a:buFont typeface="Arial" panose="020B0604020202020204" pitchFamily="34" charset="0"/>
         <a:buChar char="•"/>
-        <a:defRPr sz="1795" kern="1200">
+        <a:defRPr sz="1350" kern="1200">
           <a:solidFill>
             <a:schemeClr val="tx1"/>
           </a:solidFill>
@@ -2815,16 +2818,16 @@
           <a:cs typeface="+mn-cs"/>
         </a:defRPr>
       </a:lvl7pPr>
-      <a:lvl8pPr marL="3420052" indent="-228004" algn="l" defTabSz="912014" rtl="0" eaLnBrk="1" latinLnBrk="0" hangingPunct="1">
+      <a:lvl8pPr marL="2571750" indent="-171450" algn="l" defTabSz="685800" rtl="0" eaLnBrk="1" latinLnBrk="0" hangingPunct="1">
         <a:lnSpc>
           <a:spcPct val="90000"/>
         </a:lnSpc>
         <a:spcBef>
-          <a:spcPts val="499"/>
+          <a:spcPts val="375"/>
         </a:spcBef>
         <a:buFont typeface="Arial" panose="020B0604020202020204" pitchFamily="34" charset="0"/>
         <a:buChar char="•"/>
-        <a:defRPr sz="1795" kern="1200">
+        <a:defRPr sz="1350" kern="1200">
           <a:solidFill>
             <a:schemeClr val="tx1"/>
           </a:solidFill>
@@ -2833,16 +2836,16 @@
           <a:cs typeface="+mn-cs"/>
         </a:defRPr>
       </a:lvl8pPr>
-      <a:lvl9pPr marL="3876059" indent="-228004" algn="l" defTabSz="912014" rtl="0" eaLnBrk="1" latinLnBrk="0" hangingPunct="1">
+      <a:lvl9pPr marL="2914650" indent="-171450" algn="l" defTabSz="685800" rtl="0" eaLnBrk="1" latinLnBrk="0" hangingPunct="1">
         <a:lnSpc>
           <a:spcPct val="90000"/>
         </a:lnSpc>
         <a:spcBef>
-          <a:spcPts val="499"/>
+          <a:spcPts val="375"/>
         </a:spcBef>
         <a:buFont typeface="Arial" panose="020B0604020202020204" pitchFamily="34" charset="0"/>
         <a:buChar char="•"/>
-        <a:defRPr sz="1795" kern="1200">
+        <a:defRPr sz="1350" kern="1200">
           <a:solidFill>
             <a:schemeClr val="tx1"/>
           </a:solidFill>
@@ -2856,8 +2859,8 @@
       <a:defPPr>
         <a:defRPr lang="en-US"/>
       </a:defPPr>
-      <a:lvl1pPr marL="0" algn="l" defTabSz="912014" rtl="0" eaLnBrk="1" latinLnBrk="0" hangingPunct="1">
-        <a:defRPr sz="1795" kern="1200">
+      <a:lvl1pPr marL="0" algn="l" defTabSz="685800" rtl="0" eaLnBrk="1" latinLnBrk="0" hangingPunct="1">
+        <a:defRPr sz="1350" kern="1200">
           <a:solidFill>
             <a:schemeClr val="tx1"/>
           </a:solidFill>
@@ -2866,8 +2869,8 @@
           <a:cs typeface="+mn-cs"/>
         </a:defRPr>
       </a:lvl1pPr>
-      <a:lvl2pPr marL="456007" algn="l" defTabSz="912014" rtl="0" eaLnBrk="1" latinLnBrk="0" hangingPunct="1">
-        <a:defRPr sz="1795" kern="1200">
+      <a:lvl2pPr marL="342900" algn="l" defTabSz="685800" rtl="0" eaLnBrk="1" latinLnBrk="0" hangingPunct="1">
+        <a:defRPr sz="1350" kern="1200">
           <a:solidFill>
             <a:schemeClr val="tx1"/>
           </a:solidFill>
@@ -2876,8 +2879,8 @@
           <a:cs typeface="+mn-cs"/>
         </a:defRPr>
       </a:lvl2pPr>
-      <a:lvl3pPr marL="912014" algn="l" defTabSz="912014" rtl="0" eaLnBrk="1" latinLnBrk="0" hangingPunct="1">
-        <a:defRPr sz="1795" kern="1200">
+      <a:lvl3pPr marL="685800" algn="l" defTabSz="685800" rtl="0" eaLnBrk="1" latinLnBrk="0" hangingPunct="1">
+        <a:defRPr sz="1350" kern="1200">
           <a:solidFill>
             <a:schemeClr val="tx1"/>
           </a:solidFill>
@@ -2886,8 +2889,8 @@
           <a:cs typeface="+mn-cs"/>
         </a:defRPr>
       </a:lvl3pPr>
-      <a:lvl4pPr marL="1368021" algn="l" defTabSz="912014" rtl="0" eaLnBrk="1" latinLnBrk="0" hangingPunct="1">
-        <a:defRPr sz="1795" kern="1200">
+      <a:lvl4pPr marL="1028700" algn="l" defTabSz="685800" rtl="0" eaLnBrk="1" latinLnBrk="0" hangingPunct="1">
+        <a:defRPr sz="1350" kern="1200">
           <a:solidFill>
             <a:schemeClr val="tx1"/>
           </a:solidFill>
@@ -2896,8 +2899,8 @@
           <a:cs typeface="+mn-cs"/>
         </a:defRPr>
       </a:lvl4pPr>
-      <a:lvl5pPr marL="1824028" algn="l" defTabSz="912014" rtl="0" eaLnBrk="1" latinLnBrk="0" hangingPunct="1">
-        <a:defRPr sz="1795" kern="1200">
+      <a:lvl5pPr marL="1371600" algn="l" defTabSz="685800" rtl="0" eaLnBrk="1" latinLnBrk="0" hangingPunct="1">
+        <a:defRPr sz="1350" kern="1200">
           <a:solidFill>
             <a:schemeClr val="tx1"/>
           </a:solidFill>
@@ -2906,8 +2909,8 @@
           <a:cs typeface="+mn-cs"/>
         </a:defRPr>
       </a:lvl5pPr>
-      <a:lvl6pPr marL="2280034" algn="l" defTabSz="912014" rtl="0" eaLnBrk="1" latinLnBrk="0" hangingPunct="1">
-        <a:defRPr sz="1795" kern="1200">
+      <a:lvl6pPr marL="1714500" algn="l" defTabSz="685800" rtl="0" eaLnBrk="1" latinLnBrk="0" hangingPunct="1">
+        <a:defRPr sz="1350" kern="1200">
           <a:solidFill>
             <a:schemeClr val="tx1"/>
           </a:solidFill>
@@ -2916,8 +2919,8 @@
           <a:cs typeface="+mn-cs"/>
         </a:defRPr>
       </a:lvl6pPr>
-      <a:lvl7pPr marL="2736042" algn="l" defTabSz="912014" rtl="0" eaLnBrk="1" latinLnBrk="0" hangingPunct="1">
-        <a:defRPr sz="1795" kern="1200">
+      <a:lvl7pPr marL="2057400" algn="l" defTabSz="685800" rtl="0" eaLnBrk="1" latinLnBrk="0" hangingPunct="1">
+        <a:defRPr sz="1350" kern="1200">
           <a:solidFill>
             <a:schemeClr val="tx1"/>
           </a:solidFill>
@@ -2926,8 +2929,8 @@
           <a:cs typeface="+mn-cs"/>
         </a:defRPr>
       </a:lvl7pPr>
-      <a:lvl8pPr marL="3192049" algn="l" defTabSz="912014" rtl="0" eaLnBrk="1" latinLnBrk="0" hangingPunct="1">
-        <a:defRPr sz="1795" kern="1200">
+      <a:lvl8pPr marL="2400300" algn="l" defTabSz="685800" rtl="0" eaLnBrk="1" latinLnBrk="0" hangingPunct="1">
+        <a:defRPr sz="1350" kern="1200">
           <a:solidFill>
             <a:schemeClr val="tx1"/>
           </a:solidFill>
@@ -2936,8 +2939,8 @@
           <a:cs typeface="+mn-cs"/>
         </a:defRPr>
       </a:lvl8pPr>
-      <a:lvl9pPr marL="3648055" algn="l" defTabSz="912014" rtl="0" eaLnBrk="1" latinLnBrk="0" hangingPunct="1">
-        <a:defRPr sz="1795" kern="1200">
+      <a:lvl9pPr marL="2743200" algn="l" defTabSz="685800" rtl="0" eaLnBrk="1" latinLnBrk="0" hangingPunct="1">
+        <a:defRPr sz="1350" kern="1200">
           <a:solidFill>
             <a:schemeClr val="tx1"/>
           </a:solidFill>
@@ -2984,8 +2987,8 @@
         </p:nvSpPr>
         <p:spPr bwMode="auto">
           <a:xfrm>
-            <a:off x="0" y="2846"/>
-            <a:ext cx="2282824" cy="369330"/>
+            <a:off x="2179181" y="96990"/>
+            <a:ext cx="2773271" cy="359848"/>
           </a:xfrm>
           <a:prstGeom prst="rect">
             <a:avLst/>
@@ -3025,7 +3028,7 @@
           </a:extLst>
         </p:spPr>
         <p:txBody>
-          <a:bodyPr vert="horz" wrap="square" lIns="91440" tIns="45719" rIns="91440" bIns="45719" numCol="1" anchor="ctr" anchorCtr="0" compatLnSpc="1">
+          <a:bodyPr vert="horz" wrap="square" lIns="51569" tIns="25784" rIns="51569" bIns="25784" numCol="1" anchor="ctr" anchorCtr="0" compatLnSpc="1">
             <a:prstTxWarp prst="textNoShape">
               <a:avLst/>
             </a:prstTxWarp>
@@ -3034,13 +3037,13 @@
           <a:lstStyle/>
           <a:p>
             <a:r>
-              <a:rPr lang="en-US" altLang="zh-CN" b="1" dirty="0">
+              <a:rPr lang="en-US" altLang="zh-CN" sz="2000" b="1" dirty="0">
                 <a:latin typeface="Arial" panose="020B0604020202020204" pitchFamily="34" charset="0"/>
                 <a:cs typeface="Arial" panose="020B0604020202020204" pitchFamily="34" charset="0"/>
               </a:rPr>
               <a:t>Problem Statement</a:t>
             </a:r>
-            <a:endParaRPr lang="zh-CN" altLang="en-US" b="1" dirty="0">
+            <a:endParaRPr lang="zh-CN" altLang="en-US" sz="2000" b="1" dirty="0">
               <a:latin typeface="Arial" panose="020B0604020202020204" pitchFamily="34" charset="0"/>
               <a:cs typeface="Arial" panose="020B0604020202020204" pitchFamily="34" charset="0"/>
             </a:endParaRPr>
@@ -3063,8 +3066,8 @@
         </p:nvSpPr>
         <p:spPr bwMode="auto">
           <a:xfrm>
-            <a:off x="2911843" y="3106054"/>
-            <a:ext cx="184731" cy="369330"/>
+            <a:off x="1322205" y="7261362"/>
+            <a:ext cx="104210" cy="208396"/>
           </a:xfrm>
           <a:prstGeom prst="rect">
             <a:avLst/>
@@ -3104,7 +3107,7 @@
           </a:extLst>
         </p:spPr>
         <p:txBody>
-          <a:bodyPr vert="horz" wrap="none" lIns="91440" tIns="45719" rIns="91440" bIns="45719" numCol="1" anchor="ctr" anchorCtr="0" compatLnSpc="1">
+          <a:bodyPr vert="horz" wrap="none" lIns="51569" tIns="25784" rIns="51569" bIns="25784" numCol="1" anchor="ctr" anchorCtr="0" compatLnSpc="1">
             <a:prstTxWarp prst="textNoShape">
               <a:avLst/>
             </a:prstTxWarp>
@@ -3112,7 +3115,7 @@
           </a:bodyPr>
           <a:lstStyle/>
           <a:p>
-            <a:endParaRPr lang="zh-CN" altLang="en-US"/>
+            <a:endParaRPr lang="zh-CN" altLang="en-US" sz="1016"/>
           </a:p>
         </p:txBody>
       </p:sp>
@@ -3131,20 +3134,20 @@
           <p:nvPr>
             <p:extLst>
               <p:ext uri="{D42A27DB-BD31-4B8C-83A1-F6EECF244321}">
-                <p14:modId xmlns:p14="http://schemas.microsoft.com/office/powerpoint/2010/main" val="2458904382"/>
+                <p14:modId xmlns:p14="http://schemas.microsoft.com/office/powerpoint/2010/main" val="2438520665"/>
               </p:ext>
             </p:extLst>
           </p:nvPr>
         </p:nvGraphicFramePr>
         <p:xfrm>
-          <a:off x="1180095" y="126772"/>
-          <a:ext cx="5588501" cy="1707598"/>
+          <a:off x="596885" y="451057"/>
+          <a:ext cx="5616162" cy="1716051"/>
         </p:xfrm>
         <a:graphic>
           <a:graphicData uri="http://schemas.openxmlformats.org/presentationml/2006/ole">
             <mc:AlternateContent xmlns:mc="http://schemas.openxmlformats.org/markup-compatibility/2006">
               <mc:Choice xmlns:v="urn:schemas-microsoft-com:vml" Requires="v">
-                <p:oleObj spid="_x0000_s1039" name="Visio" r:id="rId3" imgW="13852947" imgH="4259454" progId="Visio.Drawing.15">
+                <p:oleObj spid="_x0000_s1042" name="Visio" r:id="rId3" imgW="13852947" imgH="4259454" progId="Visio.Drawing.15">
                   <p:embed/>
                 </p:oleObj>
               </mc:Choice>
@@ -3168,8 +3171,8 @@
                     </p:blipFill>
                     <p:spPr bwMode="auto">
                       <a:xfrm>
-                        <a:off x="1180095" y="126772"/>
-                        <a:ext cx="5588501" cy="1707598"/>
+                        <a:off x="596885" y="451057"/>
+                        <a:ext cx="5616162" cy="1716051"/>
                       </a:xfrm>
                       <a:prstGeom prst="rect">
                         <a:avLst/>
@@ -3199,8 +3202,8 @@
         </p:nvSpPr>
         <p:spPr bwMode="auto">
           <a:xfrm>
-            <a:off x="3320261" y="1937387"/>
-            <a:ext cx="184731" cy="369330"/>
+            <a:off x="1552541" y="6602271"/>
+            <a:ext cx="104210" cy="208396"/>
           </a:xfrm>
           <a:prstGeom prst="rect">
             <a:avLst/>
@@ -3240,7 +3243,7 @@
           </a:extLst>
         </p:spPr>
         <p:txBody>
-          <a:bodyPr vert="horz" wrap="none" lIns="91440" tIns="45719" rIns="91440" bIns="45719" numCol="1" anchor="ctr" anchorCtr="0" compatLnSpc="1">
+          <a:bodyPr vert="horz" wrap="none" lIns="51569" tIns="25784" rIns="51569" bIns="25784" numCol="1" anchor="ctr" anchorCtr="0" compatLnSpc="1">
             <a:prstTxWarp prst="textNoShape">
               <a:avLst/>
             </a:prstTxWarp>
@@ -3248,7 +3251,7 @@
           </a:bodyPr>
           <a:lstStyle/>
           <a:p>
-            <a:endParaRPr lang="zh-CN" altLang="en-US"/>
+            <a:endParaRPr lang="zh-CN" altLang="en-US" sz="1016"/>
           </a:p>
         </p:txBody>
       </p:sp>
@@ -3267,20 +3270,20 @@
           <p:nvPr>
             <p:extLst>
               <p:ext uri="{D42A27DB-BD31-4B8C-83A1-F6EECF244321}">
-                <p14:modId xmlns:p14="http://schemas.microsoft.com/office/powerpoint/2010/main" val="3429849699"/>
+                <p14:modId xmlns:p14="http://schemas.microsoft.com/office/powerpoint/2010/main" val="1819547374"/>
               </p:ext>
             </p:extLst>
           </p:nvPr>
         </p:nvGraphicFramePr>
         <p:xfrm>
-          <a:off x="6671841" y="584150"/>
-          <a:ext cx="4847564" cy="5966232"/>
+          <a:off x="181073" y="2873906"/>
+          <a:ext cx="3384744" cy="4165839"/>
         </p:xfrm>
         <a:graphic>
           <a:graphicData uri="http://schemas.openxmlformats.org/presentationml/2006/ole">
             <mc:AlternateContent xmlns:mc="http://schemas.openxmlformats.org/markup-compatibility/2006">
               <mc:Choice xmlns:v="urn:schemas-microsoft-com:vml" Requires="v">
-                <p:oleObj spid="_x0000_s1040" name="Visio" r:id="rId5" imgW="6858000" imgH="8450187" progId="Visio.Drawing.15">
+                <p:oleObj spid="_x0000_s1043" name="Visio" r:id="rId5" imgW="6858000" imgH="8450187" progId="Visio.Drawing.15">
                   <p:embed/>
                 </p:oleObj>
               </mc:Choice>
@@ -3310,8 +3313,8 @@
                     </p:blipFill>
                     <p:spPr bwMode="auto">
                       <a:xfrm>
-                        <a:off x="6671841" y="584150"/>
-                        <a:ext cx="4847564" cy="5966232"/>
+                        <a:off x="181073" y="2873906"/>
+                        <a:ext cx="3384744" cy="4165839"/>
                       </a:xfrm>
                       <a:prstGeom prst="rect">
                         <a:avLst/>
@@ -3347,8 +3350,8 @@
         </p:blipFill>
         <p:spPr>
           <a:xfrm>
-            <a:off x="710048" y="2047040"/>
-            <a:ext cx="2787735" cy="2092182"/>
+            <a:off x="3947605" y="2934041"/>
+            <a:ext cx="2664413" cy="1999631"/>
           </a:xfrm>
           <a:prstGeom prst="rect">
             <a:avLst/>
@@ -3377,8 +3380,8 @@
         </p:blipFill>
         <p:spPr>
           <a:xfrm>
-            <a:off x="3250647" y="2011889"/>
-            <a:ext cx="2786859" cy="2092175"/>
+            <a:off x="3827941" y="5014771"/>
+            <a:ext cx="2784077" cy="2090087"/>
           </a:xfrm>
           <a:prstGeom prst="rect">
             <a:avLst/>
@@ -3401,8 +3404,8 @@
         </p:nvSpPr>
         <p:spPr bwMode="auto">
           <a:xfrm>
-            <a:off x="1142791" y="3883034"/>
-            <a:ext cx="184731" cy="369330"/>
+            <a:off x="324516" y="7699555"/>
+            <a:ext cx="104210" cy="208396"/>
           </a:xfrm>
           <a:prstGeom prst="rect">
             <a:avLst/>
@@ -3442,7 +3445,7 @@
           </a:extLst>
         </p:spPr>
         <p:txBody>
-          <a:bodyPr vert="horz" wrap="none" lIns="91440" tIns="45719" rIns="91440" bIns="45719" numCol="1" anchor="ctr" anchorCtr="0" compatLnSpc="1">
+          <a:bodyPr vert="horz" wrap="none" lIns="51569" tIns="25784" rIns="51569" bIns="25784" numCol="1" anchor="ctr" anchorCtr="0" compatLnSpc="1">
             <a:prstTxWarp prst="textNoShape">
               <a:avLst/>
             </a:prstTxWarp>
@@ -3450,7 +3453,7 @@
           </a:bodyPr>
           <a:lstStyle/>
           <a:p>
-            <a:endParaRPr lang="zh-CN" altLang="en-US"/>
+            <a:endParaRPr lang="zh-CN" altLang="en-US" sz="1016"/>
           </a:p>
         </p:txBody>
       </p:sp>
@@ -3470,8 +3473,8 @@
         </p:nvCxnSpPr>
         <p:spPr>
           <a:xfrm>
-            <a:off x="0" y="1923129"/>
-            <a:ext cx="6450290" cy="0"/>
+            <a:off x="0" y="2316933"/>
+            <a:ext cx="6858000" cy="0"/>
           </a:xfrm>
           <a:prstGeom prst="line">
             <a:avLst/>
@@ -3511,8 +3514,8 @@
         </p:nvCxnSpPr>
         <p:spPr>
           <a:xfrm>
-            <a:off x="6467475" y="118612"/>
-            <a:ext cx="0" cy="6616882"/>
+            <a:off x="3660153" y="2376852"/>
+            <a:ext cx="0" cy="4884510"/>
           </a:xfrm>
           <a:prstGeom prst="line">
             <a:avLst/>
@@ -3552,8 +3555,8 @@
         </p:nvSpPr>
         <p:spPr bwMode="auto">
           <a:xfrm>
-            <a:off x="8148136" y="118614"/>
-            <a:ext cx="2282824" cy="369330"/>
+            <a:off x="756440" y="2376852"/>
+            <a:ext cx="2377006" cy="359848"/>
           </a:xfrm>
           <a:prstGeom prst="rect">
             <a:avLst/>
@@ -3593,7 +3596,7 @@
           </a:extLst>
         </p:spPr>
         <p:txBody>
-          <a:bodyPr vert="horz" wrap="square" lIns="91440" tIns="45719" rIns="91440" bIns="45719" numCol="1" anchor="ctr" anchorCtr="0" compatLnSpc="1">
+          <a:bodyPr vert="horz" wrap="square" lIns="51569" tIns="25784" rIns="51569" bIns="25784" numCol="1" anchor="ctr" anchorCtr="0" compatLnSpc="1">
             <a:prstTxWarp prst="textNoShape">
               <a:avLst/>
             </a:prstTxWarp>
@@ -3602,13 +3605,13 @@
           <a:lstStyle/>
           <a:p>
             <a:r>
-              <a:rPr lang="en-US" altLang="zh-CN" b="1" dirty="0">
+              <a:rPr lang="en-US" altLang="zh-CN" sz="2000" b="1" dirty="0">
                 <a:latin typeface="Arial" panose="020B0604020202020204" pitchFamily="34" charset="0"/>
                 <a:cs typeface="Arial" panose="020B0604020202020204" pitchFamily="34" charset="0"/>
               </a:rPr>
               <a:t>Overall Procedure</a:t>
             </a:r>
-            <a:endParaRPr lang="zh-CN" altLang="en-US" b="1" dirty="0">
+            <a:endParaRPr lang="zh-CN" altLang="en-US" sz="2000" b="1" dirty="0">
               <a:latin typeface="Arial" panose="020B0604020202020204" pitchFamily="34" charset="0"/>
               <a:cs typeface="Arial" panose="020B0604020202020204" pitchFamily="34" charset="0"/>
             </a:endParaRPr>
@@ -3631,8 +3634,8 @@
         </p:nvSpPr>
         <p:spPr bwMode="auto">
           <a:xfrm>
-            <a:off x="2634597" y="1916089"/>
-            <a:ext cx="2282824" cy="369330"/>
+            <a:off x="4186861" y="2466759"/>
+            <a:ext cx="1775495" cy="359848"/>
           </a:xfrm>
           <a:prstGeom prst="rect">
             <a:avLst/>
@@ -3672,7 +3675,7 @@
           </a:extLst>
         </p:spPr>
         <p:txBody>
-          <a:bodyPr vert="horz" wrap="square" lIns="91440" tIns="45719" rIns="91440" bIns="45719" numCol="1" anchor="ctr" anchorCtr="0" compatLnSpc="1">
+          <a:bodyPr vert="horz" wrap="square" lIns="51569" tIns="25784" rIns="51569" bIns="25784" numCol="1" anchor="ctr" anchorCtr="0" compatLnSpc="1">
             <a:prstTxWarp prst="textNoShape">
               <a:avLst/>
             </a:prstTxWarp>
@@ -3681,13 +3684,13 @@
           <a:lstStyle/>
           <a:p>
             <a:r>
-              <a:rPr lang="en-US" altLang="zh-CN" b="1" dirty="0">
+              <a:rPr lang="en-US" altLang="zh-CN" sz="2000" b="1" dirty="0">
                 <a:latin typeface="Arial" panose="020B0604020202020204" pitchFamily="34" charset="0"/>
                 <a:cs typeface="Arial" panose="020B0604020202020204" pitchFamily="34" charset="0"/>
               </a:rPr>
               <a:t>Case Study</a:t>
             </a:r>
-            <a:endParaRPr lang="zh-CN" altLang="en-US" b="1" dirty="0">
+            <a:endParaRPr lang="zh-CN" altLang="en-US" sz="2000" b="1" dirty="0">
               <a:latin typeface="Arial" panose="020B0604020202020204" pitchFamily="34" charset="0"/>
               <a:cs typeface="Arial" panose="020B0604020202020204" pitchFamily="34" charset="0"/>
             </a:endParaRPr>
@@ -3709,20 +3712,20 @@
           <p:nvPr>
             <p:extLst>
               <p:ext uri="{D42A27DB-BD31-4B8C-83A1-F6EECF244321}">
-                <p14:modId xmlns:p14="http://schemas.microsoft.com/office/powerpoint/2010/main" val="3054503151"/>
+                <p14:modId xmlns:p14="http://schemas.microsoft.com/office/powerpoint/2010/main" val="3247500144"/>
               </p:ext>
             </p:extLst>
           </p:nvPr>
         </p:nvGraphicFramePr>
         <p:xfrm>
-          <a:off x="888447" y="4174373"/>
-          <a:ext cx="4724400" cy="2590800"/>
+          <a:off x="1266839" y="7281074"/>
+          <a:ext cx="4786628" cy="2624926"/>
         </p:xfrm>
         <a:graphic>
           <a:graphicData uri="http://schemas.openxmlformats.org/presentationml/2006/ole">
             <mc:AlternateContent xmlns:mc="http://schemas.openxmlformats.org/markup-compatibility/2006">
               <mc:Choice xmlns:v="urn:schemas-microsoft-com:vml" Requires="v">
-                <p:oleObj spid="_x0000_s1041" name="Visio" r:id="rId9" imgW="9662018" imgH="5379359" progId="Visio.Drawing.15">
+                <p:oleObj spid="_x0000_s1044" name="Visio" r:id="rId9" imgW="9662018" imgH="5379359" progId="Visio.Drawing.15">
                   <p:embed/>
                 </p:oleObj>
               </mc:Choice>
@@ -3752,22 +3755,13 @@
                     </p:blipFill>
                     <p:spPr bwMode="auto">
                       <a:xfrm>
-                        <a:off x="888447" y="4174373"/>
-                        <a:ext cx="4724400" cy="2590800"/>
+                        <a:off x="1266839" y="7281074"/>
+                        <a:ext cx="4786628" cy="2624926"/>
                       </a:xfrm>
                       <a:prstGeom prst="rect">
                         <a:avLst/>
                       </a:prstGeom>
                       <a:noFill/>
-                      <a:extLst>
-                        <a:ext uri="{909E8E84-426E-40DD-AFC4-6F175D3DCCD1}">
-                          <a14:hiddenFill xmlns:a14="http://schemas.microsoft.com/office/drawing/2010/main">
-                            <a:solidFill>
-                              <a:srgbClr val="FFFFFF"/>
-                            </a:solidFill>
-                          </a14:hiddenFill>
-                        </a:ext>
-                      </a:extLst>
                     </p:spPr>
                   </p:pic>
                 </p:oleObj>
@@ -3776,6 +3770,47 @@
           </a:graphicData>
         </a:graphic>
       </p:graphicFrame>
+      <p:cxnSp>
+        <p:nvCxnSpPr>
+          <p:cNvPr id="19" name="直接连接符 18">
+            <a:extLst>
+              <a:ext uri="{FF2B5EF4-FFF2-40B4-BE49-F238E27FC236}">
+                <a16:creationId xmlns:a16="http://schemas.microsoft.com/office/drawing/2014/main" id="{3FA4DCC5-78AC-42CC-95F5-DFB375F4DAA3}"/>
+              </a:ext>
+            </a:extLst>
+          </p:cNvPr>
+          <p:cNvCxnSpPr>
+            <a:cxnSpLocks/>
+          </p:cNvCxnSpPr>
+          <p:nvPr/>
+        </p:nvCxnSpPr>
+        <p:spPr>
+          <a:xfrm>
+            <a:off x="-24034" y="7261362"/>
+            <a:ext cx="3684187" cy="0"/>
+          </a:xfrm>
+          <a:prstGeom prst="line">
+            <a:avLst/>
+          </a:prstGeom>
+          <a:ln w="19050">
+            <a:prstDash val="dashDot"/>
+          </a:ln>
+        </p:spPr>
+        <p:style>
+          <a:lnRef idx="1">
+            <a:schemeClr val="dk1"/>
+          </a:lnRef>
+          <a:fillRef idx="0">
+            <a:schemeClr val="dk1"/>
+          </a:fillRef>
+          <a:effectRef idx="0">
+            <a:schemeClr val="dk1"/>
+          </a:effectRef>
+          <a:fontRef idx="minor">
+            <a:schemeClr val="tx1"/>
+          </a:fontRef>
+        </p:style>
+      </p:cxnSp>
     </p:spTree>
     <p:extLst>
       <p:ext uri="{BB962C8B-B14F-4D97-AF65-F5344CB8AC3E}">
